--- a/耶穌祂愛你_所以祂願意.pptx
+++ b/耶穌祂愛你_所以祂願意.pptx
@@ -106,6 +106,11 @@
       </a:defRPr>
     </a:lvl9pPr>
   </p:defaultTextStyle>
+  <p:extLst>
+    <p:ext uri="{EFAFB233-063F-42B5-8137-9DF3F51BA10A}">
+      <p15:sldGuideLst xmlns:p15="http://schemas.microsoft.com/office/powerpoint/2012/main"/>
+    </p:ext>
+  </p:extLst>
 </p:presentation>
 </file>
 
@@ -290,7 +295,7 @@
           <a:p>
             <a:fld id="{1C64B92F-B937-4571-8B39-479043A82408}" type="datetimeFigureOut">
               <a:rPr lang="en-US" smtClean="0"/>
-              <a:t>12/13/2019</a:t>
+              <a:t>12/20/2022</a:t>
             </a:fld>
             <a:endParaRPr lang="en-US"/>
           </a:p>
@@ -460,7 +465,7 @@
           <a:p>
             <a:fld id="{1C64B92F-B937-4571-8B39-479043A82408}" type="datetimeFigureOut">
               <a:rPr lang="en-US" smtClean="0"/>
-              <a:t>12/13/2019</a:t>
+              <a:t>12/20/2022</a:t>
             </a:fld>
             <a:endParaRPr lang="en-US"/>
           </a:p>
@@ -640,7 +645,7 @@
           <a:p>
             <a:fld id="{1C64B92F-B937-4571-8B39-479043A82408}" type="datetimeFigureOut">
               <a:rPr lang="en-US" smtClean="0"/>
-              <a:t>12/13/2019</a:t>
+              <a:t>12/20/2022</a:t>
             </a:fld>
             <a:endParaRPr lang="en-US"/>
           </a:p>
@@ -810,7 +815,7 @@
           <a:p>
             <a:fld id="{1C64B92F-B937-4571-8B39-479043A82408}" type="datetimeFigureOut">
               <a:rPr lang="en-US" smtClean="0"/>
-              <a:t>12/13/2019</a:t>
+              <a:t>12/20/2022</a:t>
             </a:fld>
             <a:endParaRPr lang="en-US"/>
           </a:p>
@@ -1056,7 +1061,7 @@
           <a:p>
             <a:fld id="{1C64B92F-B937-4571-8B39-479043A82408}" type="datetimeFigureOut">
               <a:rPr lang="en-US" smtClean="0"/>
-              <a:t>12/13/2019</a:t>
+              <a:t>12/20/2022</a:t>
             </a:fld>
             <a:endParaRPr lang="en-US"/>
           </a:p>
@@ -1344,7 +1349,7 @@
           <a:p>
             <a:fld id="{1C64B92F-B937-4571-8B39-479043A82408}" type="datetimeFigureOut">
               <a:rPr lang="en-US" smtClean="0"/>
-              <a:t>12/13/2019</a:t>
+              <a:t>12/20/2022</a:t>
             </a:fld>
             <a:endParaRPr lang="en-US"/>
           </a:p>
@@ -1766,7 +1771,7 @@
           <a:p>
             <a:fld id="{1C64B92F-B937-4571-8B39-479043A82408}" type="datetimeFigureOut">
               <a:rPr lang="en-US" smtClean="0"/>
-              <a:t>12/13/2019</a:t>
+              <a:t>12/20/2022</a:t>
             </a:fld>
             <a:endParaRPr lang="en-US"/>
           </a:p>
@@ -1884,7 +1889,7 @@
           <a:p>
             <a:fld id="{1C64B92F-B937-4571-8B39-479043A82408}" type="datetimeFigureOut">
               <a:rPr lang="en-US" smtClean="0"/>
-              <a:t>12/13/2019</a:t>
+              <a:t>12/20/2022</a:t>
             </a:fld>
             <a:endParaRPr lang="en-US"/>
           </a:p>
@@ -1979,7 +1984,7 @@
           <a:p>
             <a:fld id="{1C64B92F-B937-4571-8B39-479043A82408}" type="datetimeFigureOut">
               <a:rPr lang="en-US" smtClean="0"/>
-              <a:t>12/13/2019</a:t>
+              <a:t>12/20/2022</a:t>
             </a:fld>
             <a:endParaRPr lang="en-US"/>
           </a:p>
@@ -2256,7 +2261,7 @@
           <a:p>
             <a:fld id="{1C64B92F-B937-4571-8B39-479043A82408}" type="datetimeFigureOut">
               <a:rPr lang="en-US" smtClean="0"/>
-              <a:t>12/13/2019</a:t>
+              <a:t>12/20/2022</a:t>
             </a:fld>
             <a:endParaRPr lang="en-US"/>
           </a:p>
@@ -2513,7 +2518,7 @@
           <a:p>
             <a:fld id="{1C64B92F-B937-4571-8B39-479043A82408}" type="datetimeFigureOut">
               <a:rPr lang="en-US" smtClean="0"/>
-              <a:t>12/13/2019</a:t>
+              <a:t>12/20/2022</a:t>
             </a:fld>
             <a:endParaRPr lang="en-US"/>
           </a:p>
@@ -2731,7 +2736,7 @@
           <a:p>
             <a:fld id="{1C64B92F-B937-4571-8B39-479043A82408}" type="datetimeFigureOut">
               <a:rPr lang="en-US" smtClean="0"/>
-              <a:t>12/13/2019</a:t>
+              <a:t>12/20/2022</a:t>
             </a:fld>
             <a:endParaRPr lang="en-US"/>
           </a:p>
@@ -3328,14 +3333,7 @@
                 <a:latin typeface="Microsoft JhengHei" panose="020B0604030504040204" pitchFamily="34" charset="-120"/>
                 <a:ea typeface="Microsoft JhengHei" panose="020B0604030504040204" pitchFamily="34" charset="-120"/>
               </a:rPr>
-              <a:t>耶穌他愛你 所以他願</a:t>
-            </a:r>
-            <a:r>
-              <a:rPr lang="zh-TW" altLang="en-US" sz="5400" b="1" dirty="0">
-                <a:latin typeface="Microsoft JhengHei" panose="020B0604030504040204" pitchFamily="34" charset="-120"/>
-                <a:ea typeface="Microsoft JhengHei" panose="020B0604030504040204" pitchFamily="34" charset="-120"/>
-              </a:rPr>
-              <a:t>意</a:t>
+              <a:t>耶穌他愛你 所以他願意</a:t>
             </a:r>
             <a:endParaRPr lang="en-US" altLang="zh-TW" sz="5400" b="1" dirty="0">
               <a:latin typeface="Microsoft JhengHei" panose="020B0604030504040204" pitchFamily="34" charset="-120"/>
@@ -3367,37 +3365,23 @@
                 <a:latin typeface="Microsoft JhengHei" panose="020B0604030504040204" pitchFamily="34" charset="-120"/>
                 <a:ea typeface="Microsoft JhengHei" panose="020B0604030504040204" pitchFamily="34" charset="-120"/>
               </a:rPr>
-              <a:t>耶</a:t>
-            </a:r>
+              <a:t>耶穌他愛你 所以有聖誕節 </a:t>
+            </a:r>
+            <a:endParaRPr lang="en-US" altLang="zh-TW" sz="5400" b="1" dirty="0">
+              <a:latin typeface="Microsoft JhengHei" panose="020B0604030504040204" pitchFamily="34" charset="-120"/>
+              <a:ea typeface="Microsoft JhengHei" panose="020B0604030504040204" pitchFamily="34" charset="-120"/>
+            </a:endParaRPr>
+          </a:p>
+          <a:p>
+            <a:pPr marL="0" indent="0" algn="ctr">
+              <a:buNone/>
+            </a:pPr>
             <a:r>
               <a:rPr lang="zh-TW" altLang="en-US" sz="5400" b="1" dirty="0">
                 <a:latin typeface="Microsoft JhengHei" panose="020B0604030504040204" pitchFamily="34" charset="-120"/>
                 <a:ea typeface="Microsoft JhengHei" panose="020B0604030504040204" pitchFamily="34" charset="-120"/>
               </a:rPr>
-              <a:t>穌他愛你 所以有聖誕節 </a:t>
-            </a:r>
-            <a:endParaRPr lang="en-US" altLang="zh-TW" sz="5400" b="1" dirty="0">
-              <a:latin typeface="Microsoft JhengHei" panose="020B0604030504040204" pitchFamily="34" charset="-120"/>
-              <a:ea typeface="Microsoft JhengHei" panose="020B0604030504040204" pitchFamily="34" charset="-120"/>
-            </a:endParaRPr>
-          </a:p>
-          <a:p>
-            <a:pPr marL="0" indent="0" algn="ctr">
-              <a:buNone/>
-            </a:pPr>
-            <a:r>
-              <a:rPr lang="zh-TW" altLang="en-US" sz="5400" b="1" dirty="0">
-                <a:latin typeface="Microsoft JhengHei" panose="020B0604030504040204" pitchFamily="34" charset="-120"/>
-                <a:ea typeface="Microsoft JhengHei" panose="020B0604030504040204" pitchFamily="34" charset="-120"/>
-              </a:rPr>
-              <a:t>他</a:t>
-            </a:r>
-            <a:r>
-              <a:rPr lang="zh-TW" altLang="en-US" sz="5400" b="1" dirty="0">
-                <a:latin typeface="Microsoft JhengHei" panose="020B0604030504040204" pitchFamily="34" charset="-120"/>
-                <a:ea typeface="Microsoft JhengHei" panose="020B0604030504040204" pitchFamily="34" charset="-120"/>
-              </a:rPr>
-              <a:t>要把愛的禮物送給你</a:t>
+              <a:t>他要把愛的禮物送給你</a:t>
             </a:r>
             <a:endParaRPr lang="en-US" sz="5400" b="1" dirty="0">
               <a:latin typeface="Microsoft JhengHei" panose="020B0604030504040204" pitchFamily="34" charset="-120"/>
@@ -3489,6 +3473,52 @@
               <a:buNone/>
             </a:pPr>
             <a:r>
+              <a:rPr lang="zh-CN" altLang="en-US" sz="5400" b="1" dirty="0" smtClean="0">
+                <a:latin typeface="Microsoft JhengHei" panose="020B0604030504040204" pitchFamily="34" charset="-120"/>
+                <a:ea typeface="Microsoft JhengHei" panose="020B0604030504040204" pitchFamily="34" charset="-120"/>
+              </a:rPr>
+              <a:t>所以唱</a:t>
+            </a:r>
+            <a:r>
+              <a:rPr lang="zh-TW" altLang="en-US" sz="5400" b="1" dirty="0" smtClean="0">
+                <a:latin typeface="Microsoft JhengHei" panose="020B0604030504040204" pitchFamily="34" charset="-120"/>
+                <a:ea typeface="Microsoft JhengHei" panose="020B0604030504040204" pitchFamily="34" charset="-120"/>
+              </a:rPr>
+              <a:t>叮</a:t>
+            </a:r>
+            <a:r>
+              <a:rPr lang="zh-TW" altLang="en-US" sz="5400" b="1" dirty="0">
+                <a:latin typeface="Microsoft JhengHei" panose="020B0604030504040204" pitchFamily="34" charset="-120"/>
+                <a:ea typeface="Microsoft JhengHei" panose="020B0604030504040204" pitchFamily="34" charset="-120"/>
+              </a:rPr>
+              <a:t>叮噹 叮叮噹 鈴聲多響亮 </a:t>
+            </a:r>
+            <a:endParaRPr lang="en-US" altLang="zh-TW" sz="5400" b="1" dirty="0">
+              <a:latin typeface="Microsoft JhengHei" panose="020B0604030504040204" pitchFamily="34" charset="-120"/>
+              <a:ea typeface="Microsoft JhengHei" panose="020B0604030504040204" pitchFamily="34" charset="-120"/>
+            </a:endParaRPr>
+          </a:p>
+          <a:p>
+            <a:pPr marL="0" indent="0" algn="ctr">
+              <a:buNone/>
+            </a:pPr>
+            <a:r>
+              <a:rPr lang="zh-TW" altLang="en-US" sz="5400" b="1" dirty="0">
+                <a:latin typeface="Microsoft JhengHei" panose="020B0604030504040204" pitchFamily="34" charset="-120"/>
+                <a:ea typeface="Microsoft JhengHei" panose="020B0604030504040204" pitchFamily="34" charset="-120"/>
+              </a:rPr>
+              <a:t>你看他呀不避風霜 面容多麼慈祥 </a:t>
+            </a:r>
+            <a:endParaRPr lang="en-US" altLang="zh-TW" sz="5400" b="1" dirty="0">
+              <a:latin typeface="Microsoft JhengHei" panose="020B0604030504040204" pitchFamily="34" charset="-120"/>
+              <a:ea typeface="Microsoft JhengHei" panose="020B0604030504040204" pitchFamily="34" charset="-120"/>
+            </a:endParaRPr>
+          </a:p>
+          <a:p>
+            <a:pPr marL="0" indent="0" algn="ctr">
+              <a:buNone/>
+            </a:pPr>
+            <a:r>
               <a:rPr lang="zh-TW" altLang="en-US" sz="5400" b="1" dirty="0">
                 <a:latin typeface="Microsoft JhengHei" panose="020B0604030504040204" pitchFamily="34" charset="-120"/>
                 <a:ea typeface="Microsoft JhengHei" panose="020B0604030504040204" pitchFamily="34" charset="-120"/>
@@ -3509,60 +3539,7 @@
                 <a:latin typeface="Microsoft JhengHei" panose="020B0604030504040204" pitchFamily="34" charset="-120"/>
                 <a:ea typeface="Microsoft JhengHei" panose="020B0604030504040204" pitchFamily="34" charset="-120"/>
               </a:rPr>
-              <a:t>你</a:t>
-            </a:r>
-            <a:r>
-              <a:rPr lang="zh-TW" altLang="en-US" sz="5400" b="1" dirty="0">
-                <a:latin typeface="Microsoft JhengHei" panose="020B0604030504040204" pitchFamily="34" charset="-120"/>
-                <a:ea typeface="Microsoft JhengHei" panose="020B0604030504040204" pitchFamily="34" charset="-120"/>
-              </a:rPr>
-              <a:t>看他呀不避風霜 面容多麼慈祥 </a:t>
-            </a:r>
-            <a:endParaRPr lang="en-US" altLang="zh-TW" sz="5400" b="1" dirty="0">
-              <a:latin typeface="Microsoft JhengHei" panose="020B0604030504040204" pitchFamily="34" charset="-120"/>
-              <a:ea typeface="Microsoft JhengHei" panose="020B0604030504040204" pitchFamily="34" charset="-120"/>
-            </a:endParaRPr>
-          </a:p>
-          <a:p>
-            <a:pPr marL="0" indent="0" algn="ctr">
-              <a:buNone/>
-            </a:pPr>
-            <a:r>
-              <a:rPr lang="zh-TW" altLang="en-US" sz="5400" b="1" dirty="0">
-                <a:latin typeface="Microsoft JhengHei" panose="020B0604030504040204" pitchFamily="34" charset="-120"/>
-                <a:ea typeface="Microsoft JhengHei" panose="020B0604030504040204" pitchFamily="34" charset="-120"/>
-              </a:rPr>
-              <a:t>叮</a:t>
-            </a:r>
-            <a:r>
-              <a:rPr lang="zh-TW" altLang="en-US" sz="5400" b="1" dirty="0">
-                <a:latin typeface="Microsoft JhengHei" panose="020B0604030504040204" pitchFamily="34" charset="-120"/>
-                <a:ea typeface="Microsoft JhengHei" panose="020B0604030504040204" pitchFamily="34" charset="-120"/>
-              </a:rPr>
-              <a:t>叮噹 叮叮噹 鈴聲多響亮 </a:t>
-            </a:r>
-            <a:endParaRPr lang="en-US" altLang="zh-TW" sz="5400" b="1" dirty="0">
-              <a:latin typeface="Microsoft JhengHei" panose="020B0604030504040204" pitchFamily="34" charset="-120"/>
-              <a:ea typeface="Microsoft JhengHei" panose="020B0604030504040204" pitchFamily="34" charset="-120"/>
-            </a:endParaRPr>
-          </a:p>
-          <a:p>
-            <a:pPr marL="0" indent="0" algn="ctr">
-              <a:buNone/>
-            </a:pPr>
-            <a:r>
-              <a:rPr lang="zh-TW" altLang="en-US" sz="5400" b="1" dirty="0">
-                <a:latin typeface="Microsoft JhengHei" panose="020B0604030504040204" pitchFamily="34" charset="-120"/>
-                <a:ea typeface="Microsoft JhengHei" panose="020B0604030504040204" pitchFamily="34" charset="-120"/>
-              </a:rPr>
-              <a:t>他</a:t>
-            </a:r>
-            <a:r>
-              <a:rPr lang="zh-TW" altLang="en-US" sz="5400" b="1" dirty="0">
-                <a:latin typeface="Microsoft JhengHei" panose="020B0604030504040204" pitchFamily="34" charset="-120"/>
-                <a:ea typeface="Microsoft JhengHei" panose="020B0604030504040204" pitchFamily="34" charset="-120"/>
-              </a:rPr>
-              <a:t>給我們帶來幸福 大家喜洋洋</a:t>
+              <a:t>他給我們帶來幸福 大家喜洋洋</a:t>
             </a:r>
             <a:endParaRPr lang="en-US" sz="5400" b="1" dirty="0">
               <a:latin typeface="Microsoft JhengHei" panose="020B0604030504040204" pitchFamily="34" charset="-120"/>
